--- a/img/parser.pptx
+++ b/img/parser.pptx
@@ -8,6 +8,7 @@
     <p:sldId id="258" r:id="rId2"/>
     <p:sldId id="256" r:id="rId3"/>
     <p:sldId id="257" r:id="rId4"/>
+    <p:sldId id="259" r:id="rId5"/>
   </p:sldIdLst>
   <p:sldSz cx="12192000" cy="6858000"/>
   <p:notesSz cx="6858000" cy="9144000"/>
@@ -9818,6 +9819,487 @@
 </p:sld>
 </file>
 
+<file path=ppt/slides/slide4.xml><?xml version="1.0" encoding="utf-8"?>
+<p:sld xmlns:a="http://schemas.openxmlformats.org/drawingml/2006/main" xmlns:r="http://schemas.openxmlformats.org/officeDocument/2006/relationships" xmlns:p="http://schemas.openxmlformats.org/presentationml/2006/main">
+  <p:cSld>
+    <p:spTree>
+      <p:nvGrpSpPr>
+        <p:cNvPr id="1" name=""/>
+        <p:cNvGrpSpPr/>
+        <p:nvPr/>
+      </p:nvGrpSpPr>
+      <p:grpSpPr>
+        <a:xfrm>
+          <a:off x="0" y="0"/>
+          <a:ext cx="0" cy="0"/>
+          <a:chOff x="0" y="0"/>
+          <a:chExt cx="0" cy="0"/>
+        </a:xfrm>
+      </p:grpSpPr>
+      <p:sp>
+        <p:nvSpPr>
+          <p:cNvPr id="2" name="矩形: 圆角 1">
+            <a:extLst>
+              <a:ext uri="{FF2B5EF4-FFF2-40B4-BE49-F238E27FC236}">
+                <a16:creationId xmlns:a16="http://schemas.microsoft.com/office/drawing/2014/main" id="{4F5A3810-66E3-4621-B403-DE16E123F50A}"/>
+              </a:ext>
+            </a:extLst>
+          </p:cNvPr>
+          <p:cNvSpPr/>
+          <p:nvPr/>
+        </p:nvSpPr>
+        <p:spPr>
+          <a:xfrm>
+            <a:off x="1998482" y="1159497"/>
+            <a:ext cx="8276734" cy="4440025"/>
+          </a:xfrm>
+          <a:prstGeom prst="roundRect">
+            <a:avLst/>
+          </a:prstGeom>
+          <a:solidFill>
+            <a:schemeClr val="accent1">
+              <a:alpha val="50000"/>
+            </a:schemeClr>
+          </a:solidFill>
+        </p:spPr>
+        <p:style>
+          <a:lnRef idx="2">
+            <a:schemeClr val="accent1">
+              <a:shade val="50000"/>
+            </a:schemeClr>
+          </a:lnRef>
+          <a:fillRef idx="1">
+            <a:schemeClr val="accent1"/>
+          </a:fillRef>
+          <a:effectRef idx="0">
+            <a:schemeClr val="accent1"/>
+          </a:effectRef>
+          <a:fontRef idx="minor">
+            <a:schemeClr val="lt1"/>
+          </a:fontRef>
+        </p:style>
+        <p:txBody>
+          <a:bodyPr rtlCol="0" anchor="ctr"/>
+          <a:lstStyle/>
+          <a:p>
+            <a:pPr algn="ctr"/>
+            <a:endParaRPr lang="zh-CN" altLang="en-US">
+              <a:ln w="0"/>
+              <a:solidFill>
+                <a:schemeClr val="accent1"/>
+              </a:solidFill>
+              <a:effectLst>
+                <a:outerShdw blurRad="38100" dist="25400" dir="5400000" algn="ctr" rotWithShape="0">
+                  <a:srgbClr val="6E747A">
+                    <a:alpha val="43000"/>
+                  </a:srgbClr>
+                </a:outerShdw>
+              </a:effectLst>
+            </a:endParaRPr>
+          </a:p>
+        </p:txBody>
+      </p:sp>
+      <p:sp>
+        <p:nvSpPr>
+          <p:cNvPr id="3" name="文本框 2">
+            <a:extLst>
+              <a:ext uri="{FF2B5EF4-FFF2-40B4-BE49-F238E27FC236}">
+                <a16:creationId xmlns:a16="http://schemas.microsoft.com/office/drawing/2014/main" id="{89BD0564-E136-428E-8E3F-9662CFCC8B73}"/>
+              </a:ext>
+            </a:extLst>
+          </p:cNvPr>
+          <p:cNvSpPr txBox="1"/>
+          <p:nvPr/>
+        </p:nvSpPr>
+        <p:spPr>
+          <a:xfrm>
+            <a:off x="4132951" y="1468876"/>
+            <a:ext cx="4007796" cy="769441"/>
+          </a:xfrm>
+          <a:prstGeom prst="rect">
+            <a:avLst/>
+          </a:prstGeom>
+          <a:noFill/>
+        </p:spPr>
+        <p:txBody>
+          <a:bodyPr wrap="square" rtlCol="0">
+            <a:spAutoFit/>
+          </a:bodyPr>
+          <a:lstStyle/>
+          <a:p>
+            <a:pPr algn="ctr"/>
+            <a:r>
+              <a:rPr lang="zh-CN" altLang="en-US" sz="4400" dirty="0"/>
+              <a:t>进程管理器</a:t>
+            </a:r>
+          </a:p>
+        </p:txBody>
+      </p:sp>
+      <p:sp>
+        <p:nvSpPr>
+          <p:cNvPr id="4" name="矩形: 圆角 3">
+            <a:extLst>
+              <a:ext uri="{FF2B5EF4-FFF2-40B4-BE49-F238E27FC236}">
+                <a16:creationId xmlns:a16="http://schemas.microsoft.com/office/drawing/2014/main" id="{C32ED365-F48E-4384-9F0F-559C3FDE58DD}"/>
+              </a:ext>
+            </a:extLst>
+          </p:cNvPr>
+          <p:cNvSpPr/>
+          <p:nvPr/>
+        </p:nvSpPr>
+        <p:spPr>
+          <a:xfrm>
+            <a:off x="2821019" y="2772383"/>
+            <a:ext cx="3054485" cy="2315183"/>
+          </a:xfrm>
+          <a:prstGeom prst="roundRect">
+            <a:avLst/>
+          </a:prstGeom>
+        </p:spPr>
+        <p:style>
+          <a:lnRef idx="2">
+            <a:schemeClr val="accent1">
+              <a:shade val="50000"/>
+            </a:schemeClr>
+          </a:lnRef>
+          <a:fillRef idx="1">
+            <a:schemeClr val="accent1"/>
+          </a:fillRef>
+          <a:effectRef idx="0">
+            <a:schemeClr val="accent1"/>
+          </a:effectRef>
+          <a:fontRef idx="minor">
+            <a:schemeClr val="lt1"/>
+          </a:fontRef>
+        </p:style>
+        <p:txBody>
+          <a:bodyPr rtlCol="0" anchor="ctr"/>
+          <a:lstStyle/>
+          <a:p>
+            <a:pPr algn="ctr"/>
+            <a:endParaRPr lang="zh-CN" altLang="en-US"/>
+          </a:p>
+        </p:txBody>
+      </p:sp>
+      <p:sp>
+        <p:nvSpPr>
+          <p:cNvPr id="5" name="矩形: 圆角 4">
+            <a:extLst>
+              <a:ext uri="{FF2B5EF4-FFF2-40B4-BE49-F238E27FC236}">
+                <a16:creationId xmlns:a16="http://schemas.microsoft.com/office/drawing/2014/main" id="{33595563-74B3-4265-A562-2243B08E30D9}"/>
+              </a:ext>
+            </a:extLst>
+          </p:cNvPr>
+          <p:cNvSpPr/>
+          <p:nvPr/>
+        </p:nvSpPr>
+        <p:spPr>
+          <a:xfrm>
+            <a:off x="6316496" y="2761328"/>
+            <a:ext cx="3054485" cy="2315183"/>
+          </a:xfrm>
+          <a:prstGeom prst="roundRect">
+            <a:avLst/>
+          </a:prstGeom>
+        </p:spPr>
+        <p:style>
+          <a:lnRef idx="2">
+            <a:schemeClr val="accent1">
+              <a:shade val="50000"/>
+            </a:schemeClr>
+          </a:lnRef>
+          <a:fillRef idx="1">
+            <a:schemeClr val="accent1"/>
+          </a:fillRef>
+          <a:effectRef idx="0">
+            <a:schemeClr val="accent1"/>
+          </a:effectRef>
+          <a:fontRef idx="minor">
+            <a:schemeClr val="lt1"/>
+          </a:fontRef>
+        </p:style>
+        <p:txBody>
+          <a:bodyPr rtlCol="0" anchor="ctr"/>
+          <a:lstStyle/>
+          <a:p>
+            <a:pPr algn="ctr"/>
+            <a:endParaRPr lang="zh-CN" altLang="en-US"/>
+          </a:p>
+        </p:txBody>
+      </p:sp>
+      <p:sp>
+        <p:nvSpPr>
+          <p:cNvPr id="6" name="文本框 5">
+            <a:extLst>
+              <a:ext uri="{FF2B5EF4-FFF2-40B4-BE49-F238E27FC236}">
+                <a16:creationId xmlns:a16="http://schemas.microsoft.com/office/drawing/2014/main" id="{7F7E1801-F4F8-432C-B477-02ABE8D25CD0}"/>
+              </a:ext>
+            </a:extLst>
+          </p:cNvPr>
+          <p:cNvSpPr txBox="1"/>
+          <p:nvPr/>
+        </p:nvSpPr>
+        <p:spPr>
+          <a:xfrm>
+            <a:off x="3540867" y="3148676"/>
+            <a:ext cx="1614792" cy="461665"/>
+          </a:xfrm>
+          <a:prstGeom prst="rect">
+            <a:avLst/>
+          </a:prstGeom>
+          <a:noFill/>
+        </p:spPr>
+        <p:txBody>
+          <a:bodyPr wrap="square" rtlCol="0">
+            <a:spAutoFit/>
+          </a:bodyPr>
+          <a:lstStyle/>
+          <a:p>
+            <a:pPr algn="ctr"/>
+            <a:r>
+              <a:rPr lang="zh-CN" altLang="en-US" sz="2400" b="1" dirty="0"/>
+              <a:t>作业池</a:t>
+            </a:r>
+          </a:p>
+        </p:txBody>
+      </p:sp>
+      <p:sp>
+        <p:nvSpPr>
+          <p:cNvPr id="7" name="文本框 6">
+            <a:extLst>
+              <a:ext uri="{FF2B5EF4-FFF2-40B4-BE49-F238E27FC236}">
+                <a16:creationId xmlns:a16="http://schemas.microsoft.com/office/drawing/2014/main" id="{6B35A24F-1E58-4595-8FC2-6347731ECEEC}"/>
+              </a:ext>
+            </a:extLst>
+          </p:cNvPr>
+          <p:cNvSpPr txBox="1"/>
+          <p:nvPr/>
+        </p:nvSpPr>
+        <p:spPr>
+          <a:xfrm>
+            <a:off x="6960143" y="3197239"/>
+            <a:ext cx="1767190" cy="461665"/>
+          </a:xfrm>
+          <a:prstGeom prst="rect">
+            <a:avLst/>
+          </a:prstGeom>
+          <a:noFill/>
+        </p:spPr>
+        <p:txBody>
+          <a:bodyPr wrap="square" rtlCol="0">
+            <a:spAutoFit/>
+          </a:bodyPr>
+          <a:lstStyle/>
+          <a:p>
+            <a:pPr algn="ctr"/>
+            <a:r>
+              <a:rPr lang="zh-CN" altLang="en-US" sz="2400" b="1" dirty="0"/>
+              <a:t>作业单元集</a:t>
+            </a:r>
+          </a:p>
+        </p:txBody>
+      </p:sp>
+      <p:sp>
+        <p:nvSpPr>
+          <p:cNvPr id="10" name="椭圆 9">
+            <a:extLst>
+              <a:ext uri="{FF2B5EF4-FFF2-40B4-BE49-F238E27FC236}">
+                <a16:creationId xmlns:a16="http://schemas.microsoft.com/office/drawing/2014/main" id="{FBEFA20F-EA08-465D-B975-833BD4163CB1}"/>
+              </a:ext>
+            </a:extLst>
+          </p:cNvPr>
+          <p:cNvSpPr/>
+          <p:nvPr/>
+        </p:nvSpPr>
+        <p:spPr>
+          <a:xfrm>
+            <a:off x="3363926" y="3839336"/>
+            <a:ext cx="1968670" cy="882319"/>
+          </a:xfrm>
+          <a:prstGeom prst="ellipse">
+            <a:avLst/>
+          </a:prstGeom>
+          <a:solidFill>
+            <a:schemeClr val="accent1">
+              <a:alpha val="0"/>
+            </a:schemeClr>
+          </a:solidFill>
+        </p:spPr>
+        <p:style>
+          <a:lnRef idx="2">
+            <a:schemeClr val="accent1">
+              <a:shade val="50000"/>
+            </a:schemeClr>
+          </a:lnRef>
+          <a:fillRef idx="1">
+            <a:schemeClr val="accent1"/>
+          </a:fillRef>
+          <a:effectRef idx="0">
+            <a:schemeClr val="accent1"/>
+          </a:effectRef>
+          <a:fontRef idx="minor">
+            <a:schemeClr val="lt1"/>
+          </a:fontRef>
+        </p:style>
+        <p:txBody>
+          <a:bodyPr rtlCol="0" anchor="ctr"/>
+          <a:lstStyle/>
+          <a:p>
+            <a:pPr algn="ctr"/>
+            <a:endParaRPr lang="zh-CN" altLang="en-US"/>
+          </a:p>
+        </p:txBody>
+      </p:sp>
+      <p:sp>
+        <p:nvSpPr>
+          <p:cNvPr id="9" name="文本框 8">
+            <a:extLst>
+              <a:ext uri="{FF2B5EF4-FFF2-40B4-BE49-F238E27FC236}">
+                <a16:creationId xmlns:a16="http://schemas.microsoft.com/office/drawing/2014/main" id="{F8CB4721-80AA-487A-9254-777A34B74943}"/>
+              </a:ext>
+            </a:extLst>
+          </p:cNvPr>
+          <p:cNvSpPr txBox="1"/>
+          <p:nvPr/>
+        </p:nvSpPr>
+        <p:spPr>
+          <a:xfrm>
+            <a:off x="3766008" y="4080440"/>
+            <a:ext cx="2007580" cy="400110"/>
+          </a:xfrm>
+          <a:prstGeom prst="rect">
+            <a:avLst/>
+          </a:prstGeom>
+          <a:noFill/>
+        </p:spPr>
+        <p:txBody>
+          <a:bodyPr wrap="square" rtlCol="0">
+            <a:spAutoFit/>
+          </a:bodyPr>
+          <a:lstStyle/>
+          <a:p>
+            <a:pPr marL="285750" indent="-285750">
+              <a:buFont typeface="Arial" panose="020B0604020202020204" pitchFamily="34" charset="0"/>
+              <a:buChar char="•"/>
+            </a:pPr>
+            <a:r>
+              <a:rPr lang="zh-CN" altLang="en-US" sz="2000" b="1" dirty="0">
+                <a:solidFill>
+                  <a:srgbClr val="C00000"/>
+                </a:solidFill>
+              </a:rPr>
+              <a:t>二叉堆</a:t>
+            </a:r>
+          </a:p>
+        </p:txBody>
+      </p:sp>
+      <p:sp>
+        <p:nvSpPr>
+          <p:cNvPr id="11" name="椭圆 10">
+            <a:extLst>
+              <a:ext uri="{FF2B5EF4-FFF2-40B4-BE49-F238E27FC236}">
+                <a16:creationId xmlns:a16="http://schemas.microsoft.com/office/drawing/2014/main" id="{85F8DFB1-D4D2-4B73-AA6A-CB2246502ACC}"/>
+              </a:ext>
+            </a:extLst>
+          </p:cNvPr>
+          <p:cNvSpPr/>
+          <p:nvPr/>
+        </p:nvSpPr>
+        <p:spPr>
+          <a:xfrm>
+            <a:off x="6849230" y="3848708"/>
+            <a:ext cx="1968670" cy="882319"/>
+          </a:xfrm>
+          <a:prstGeom prst="ellipse">
+            <a:avLst/>
+          </a:prstGeom>
+          <a:solidFill>
+            <a:schemeClr val="accent1">
+              <a:alpha val="0"/>
+            </a:schemeClr>
+          </a:solidFill>
+        </p:spPr>
+        <p:style>
+          <a:lnRef idx="2">
+            <a:schemeClr val="accent1">
+              <a:shade val="50000"/>
+            </a:schemeClr>
+          </a:lnRef>
+          <a:fillRef idx="1">
+            <a:schemeClr val="accent1"/>
+          </a:fillRef>
+          <a:effectRef idx="0">
+            <a:schemeClr val="accent1"/>
+          </a:effectRef>
+          <a:fontRef idx="minor">
+            <a:schemeClr val="lt1"/>
+          </a:fontRef>
+        </p:style>
+        <p:txBody>
+          <a:bodyPr rtlCol="0" anchor="ctr"/>
+          <a:lstStyle/>
+          <a:p>
+            <a:pPr algn="ctr"/>
+            <a:endParaRPr lang="zh-CN" altLang="en-US"/>
+          </a:p>
+        </p:txBody>
+      </p:sp>
+      <p:sp>
+        <p:nvSpPr>
+          <p:cNvPr id="12" name="文本框 11">
+            <a:extLst>
+              <a:ext uri="{FF2B5EF4-FFF2-40B4-BE49-F238E27FC236}">
+                <a16:creationId xmlns:a16="http://schemas.microsoft.com/office/drawing/2014/main" id="{0965630E-32CC-4D23-867C-CC6EF14C1919}"/>
+              </a:ext>
+            </a:extLst>
+          </p:cNvPr>
+          <p:cNvSpPr txBox="1"/>
+          <p:nvPr/>
+        </p:nvSpPr>
+        <p:spPr>
+          <a:xfrm>
+            <a:off x="7251312" y="4089812"/>
+            <a:ext cx="2007580" cy="400110"/>
+          </a:xfrm>
+          <a:prstGeom prst="rect">
+            <a:avLst/>
+          </a:prstGeom>
+          <a:noFill/>
+        </p:spPr>
+        <p:txBody>
+          <a:bodyPr wrap="square" rtlCol="0">
+            <a:spAutoFit/>
+          </a:bodyPr>
+          <a:lstStyle/>
+          <a:p>
+            <a:pPr marL="285750" indent="-285750">
+              <a:buFont typeface="Arial" panose="020B0604020202020204" pitchFamily="34" charset="0"/>
+              <a:buChar char="•"/>
+            </a:pPr>
+            <a:r>
+              <a:rPr lang="zh-CN" altLang="en-US" sz="2000" b="1" dirty="0">
+                <a:solidFill>
+                  <a:srgbClr val="C00000"/>
+                </a:solidFill>
+              </a:rPr>
+              <a:t>红黑树</a:t>
+            </a:r>
+          </a:p>
+        </p:txBody>
+      </p:sp>
+    </p:spTree>
+    <p:extLst>
+      <p:ext uri="{BB962C8B-B14F-4D97-AF65-F5344CB8AC3E}">
+        <p14:creationId xmlns:p14="http://schemas.microsoft.com/office/powerpoint/2010/main" val="490672197"/>
+      </p:ext>
+    </p:extLst>
+  </p:cSld>
+  <p:clrMapOvr>
+    <a:masterClrMapping/>
+  </p:clrMapOvr>
+</p:sld>
+</file>
+
 <file path=ppt/theme/theme1.xml><?xml version="1.0" encoding="utf-8"?>
 <a:theme xmlns:a="http://schemas.openxmlformats.org/drawingml/2006/main" name="Office 主题​​">
   <a:themeElements>
